--- a/Go.pptx
+++ b/Go.pptx
@@ -114,7 +114,16 @@
       </a:defRPr>
     </a:lvl9pPr>
   </p:defaultTextStyle>
+  <p:extLst>
+    <p:ext uri="{EFAFB233-063F-42B5-8137-9DF3F51BA10A}">
+      <p15:sldGuideLst xmlns:p15="http://schemas.microsoft.com/office/powerpoint/2012/main"/>
+    </p:ext>
+  </p:extLst>
 </p:presentation>
+</file>
+
+<file path=ppt/revisionInfo.xml><?xml version="1.0" encoding="utf-8"?>
+<p1510:revInfo xmlns:a="http://schemas.openxmlformats.org/drawingml/2006/main" xmlns:r="http://schemas.openxmlformats.org/officeDocument/2006/relationships" xmlns:p1510="http://schemas.microsoft.com/office/powerpoint/2015/10/main"/>
 </file>
 
 <file path=ppt/slideLayouts/slideLayout1.xml><?xml version="1.0" encoding="utf-8"?>
@@ -306,7 +315,7 @@
             <a:fld id="{B61BEF0D-F0BB-DE4B-95CE-6DB70DBA9567}" type="datetimeFigureOut">
               <a:rPr lang="en-US" dirty="0"/>
               <a:pPr/>
-              <a:t>12/14/2017</a:t>
+              <a:t>12/19/2017</a:t>
             </a:fld>
             <a:endParaRPr lang="en-US" dirty="0"/>
           </a:p>
@@ -641,7 +650,7 @@
             <a:fld id="{B61BEF0D-F0BB-DE4B-95CE-6DB70DBA9567}" type="datetimeFigureOut">
               <a:rPr lang="en-US" dirty="0"/>
               <a:pPr/>
-              <a:t>12/14/2017</a:t>
+              <a:t>12/19/2017</a:t>
             </a:fld>
             <a:endParaRPr lang="en-US" dirty="0"/>
           </a:p>
@@ -1039,7 +1048,7 @@
             <a:fld id="{B61BEF0D-F0BB-DE4B-95CE-6DB70DBA9567}" type="datetimeFigureOut">
               <a:rPr lang="en-US" dirty="0"/>
               <a:pPr/>
-              <a:t>12/14/2017</a:t>
+              <a:t>12/19/2017</a:t>
             </a:fld>
             <a:endParaRPr lang="en-US" dirty="0"/>
           </a:p>
@@ -1372,7 +1381,7 @@
             <a:fld id="{B61BEF0D-F0BB-DE4B-95CE-6DB70DBA9567}" type="datetimeFigureOut">
               <a:rPr lang="en-US" dirty="0"/>
               <a:pPr/>
-              <a:t>12/14/2017</a:t>
+              <a:t>12/19/2017</a:t>
             </a:fld>
             <a:endParaRPr lang="en-US" dirty="0"/>
           </a:p>
@@ -1689,7 +1698,7 @@
             <a:fld id="{B61BEF0D-F0BB-DE4B-95CE-6DB70DBA9567}" type="datetimeFigureOut">
               <a:rPr lang="en-US" dirty="0"/>
               <a:pPr/>
-              <a:t>12/14/2017</a:t>
+              <a:t>12/19/2017</a:t>
             </a:fld>
             <a:endParaRPr lang="en-US" dirty="0"/>
           </a:p>
@@ -2082,7 +2091,7 @@
             <a:fld id="{B61BEF0D-F0BB-DE4B-95CE-6DB70DBA9567}" type="datetimeFigureOut">
               <a:rPr lang="en-US" dirty="0"/>
               <a:pPr/>
-              <a:t>12/14/2017</a:t>
+              <a:t>12/19/2017</a:t>
             </a:fld>
             <a:endParaRPr lang="en-US" dirty="0"/>
           </a:p>
@@ -2336,7 +2345,7 @@
             <a:fld id="{B61BEF0D-F0BB-DE4B-95CE-6DB70DBA9567}" type="datetimeFigureOut">
               <a:rPr lang="en-US" dirty="0"/>
               <a:pPr/>
-              <a:t>12/14/2017</a:t>
+              <a:t>12/19/2017</a:t>
             </a:fld>
             <a:endParaRPr lang="en-US" dirty="0"/>
           </a:p>
@@ -2595,7 +2604,7 @@
             <a:fld id="{B61BEF0D-F0BB-DE4B-95CE-6DB70DBA9567}" type="datetimeFigureOut">
               <a:rPr lang="en-US" dirty="0"/>
               <a:pPr/>
-              <a:t>12/14/2017</a:t>
+              <a:t>12/19/2017</a:t>
             </a:fld>
             <a:endParaRPr lang="en-US" dirty="0"/>
           </a:p>
@@ -2854,7 +2863,7 @@
             <a:fld id="{B61BEF0D-F0BB-DE4B-95CE-6DB70DBA9567}" type="datetimeFigureOut">
               <a:rPr lang="en-US" dirty="0"/>
               <a:pPr/>
-              <a:t>12/14/2017</a:t>
+              <a:t>12/19/2017</a:t>
             </a:fld>
             <a:endParaRPr lang="en-US" dirty="0"/>
           </a:p>
@@ -3180,7 +3189,7 @@
             <a:fld id="{B61BEF0D-F0BB-DE4B-95CE-6DB70DBA9567}" type="datetimeFigureOut">
               <a:rPr lang="en-US" dirty="0"/>
               <a:pPr/>
-              <a:t>12/14/2017</a:t>
+              <a:t>12/19/2017</a:t>
             </a:fld>
             <a:endParaRPr lang="en-US" dirty="0"/>
           </a:p>
@@ -3500,7 +3509,7 @@
             <a:fld id="{B61BEF0D-F0BB-DE4B-95CE-6DB70DBA9567}" type="datetimeFigureOut">
               <a:rPr lang="en-US" dirty="0"/>
               <a:pPr/>
-              <a:t>12/14/2017</a:t>
+              <a:t>12/19/2017</a:t>
             </a:fld>
             <a:endParaRPr lang="en-US" dirty="0"/>
           </a:p>
@@ -3954,7 +3963,7 @@
             <a:fld id="{B61BEF0D-F0BB-DE4B-95CE-6DB70DBA9567}" type="datetimeFigureOut">
               <a:rPr lang="en-US" dirty="0"/>
               <a:pPr/>
-              <a:t>12/14/2017</a:t>
+              <a:t>12/19/2017</a:t>
             </a:fld>
             <a:endParaRPr lang="en-US" dirty="0"/>
           </a:p>
@@ -4156,7 +4165,7 @@
             <a:fld id="{B61BEF0D-F0BB-DE4B-95CE-6DB70DBA9567}" type="datetimeFigureOut">
               <a:rPr lang="en-US" dirty="0"/>
               <a:pPr/>
-              <a:t>12/14/2017</a:t>
+              <a:t>12/19/2017</a:t>
             </a:fld>
             <a:endParaRPr lang="en-US" dirty="0"/>
           </a:p>
@@ -4330,7 +4339,7 @@
             <a:fld id="{B61BEF0D-F0BB-DE4B-95CE-6DB70DBA9567}" type="datetimeFigureOut">
               <a:rPr lang="en-US" dirty="0"/>
               <a:pPr/>
-              <a:t>12/14/2017</a:t>
+              <a:t>12/19/2017</a:t>
             </a:fld>
             <a:endParaRPr lang="en-US" dirty="0"/>
           </a:p>
@@ -4660,7 +4669,7 @@
             <a:fld id="{B61BEF0D-F0BB-DE4B-95CE-6DB70DBA9567}" type="datetimeFigureOut">
               <a:rPr lang="en-US" dirty="0"/>
               <a:pPr/>
-              <a:t>12/14/2017</a:t>
+              <a:t>12/19/2017</a:t>
             </a:fld>
             <a:endParaRPr lang="en-US" dirty="0"/>
           </a:p>
@@ -5002,7 +5011,7 @@
             <a:fld id="{B61BEF0D-F0BB-DE4B-95CE-6DB70DBA9567}" type="datetimeFigureOut">
               <a:rPr lang="en-US" dirty="0"/>
               <a:pPr/>
-              <a:t>12/14/2017</a:t>
+              <a:t>12/19/2017</a:t>
             </a:fld>
             <a:endParaRPr lang="en-US" dirty="0"/>
           </a:p>
@@ -7116,7 +7125,7 @@
             <a:fld id="{B61BEF0D-F0BB-DE4B-95CE-6DB70DBA9567}" type="datetimeFigureOut">
               <a:rPr lang="en-US" dirty="0"/>
               <a:pPr/>
-              <a:t>12/14/2017</a:t>
+              <a:t>12/19/2017</a:t>
             </a:fld>
             <a:endParaRPr lang="en-US" dirty="0"/>
           </a:p>
@@ -8082,6 +8091,55 @@
           <a:bodyPr/>
           <a:lstStyle/>
           <a:p>
+            <a:r>
+              <a:rPr lang="de-CH" dirty="0"/>
+              <a:t>Interfaces und </a:t>
+            </a:r>
+            <a:r>
+              <a:rPr lang="de-CH" dirty="0" err="1"/>
+              <a:t>Structs</a:t>
+            </a:r>
+            <a:endParaRPr lang="de-CH" dirty="0"/>
+          </a:p>
+          <a:p>
+            <a:pPr lvl="1"/>
+            <a:r>
+              <a:rPr lang="de-CH" dirty="0"/>
+              <a:t>Code Beispiel</a:t>
+            </a:r>
+          </a:p>
+          <a:p>
+            <a:r>
+              <a:rPr lang="de-CH" dirty="0"/>
+              <a:t>Fibonacci mit Go</a:t>
+            </a:r>
+          </a:p>
+          <a:p>
+            <a:r>
+              <a:rPr lang="de-CH" dirty="0"/>
+              <a:t>Packages</a:t>
+            </a:r>
+          </a:p>
+          <a:p>
+            <a:pPr lvl="1"/>
+            <a:r>
+              <a:rPr lang="de-CH" dirty="0"/>
+              <a:t>Code Beispiel</a:t>
+            </a:r>
+          </a:p>
+          <a:p>
+            <a:endParaRPr lang="de-CH" dirty="0"/>
+          </a:p>
+          <a:p>
+            <a:endParaRPr lang="de-CH" dirty="0"/>
+          </a:p>
+          <a:p>
+            <a:endParaRPr lang="de-CH" dirty="0"/>
+          </a:p>
+          <a:p>
+            <a:endParaRPr lang="de-CH" dirty="0"/>
+          </a:p>
+          <a:p>
             <a:endParaRPr lang="de-CH" dirty="0"/>
           </a:p>
         </p:txBody>
@@ -9126,6 +9184,96 @@
           </a:p>
         </p:txBody>
       </p:sp>
+      <p:pic>
+        <p:nvPicPr>
+          <p:cNvPr id="4" name="Picture 3">
+            <a:extLst>
+              <a:ext uri="{FF2B5EF4-FFF2-40B4-BE49-F238E27FC236}">
+                <a16:creationId xmlns:a16="http://schemas.microsoft.com/office/drawing/2014/main" id="{44A404CE-CD5E-4F24-A3FA-A5B5E701DC39}"/>
+              </a:ext>
+            </a:extLst>
+          </p:cNvPr>
+          <p:cNvPicPr>
+            <a:picLocks noChangeAspect="1"/>
+          </p:cNvPicPr>
+          <p:nvPr/>
+        </p:nvPicPr>
+        <p:blipFill>
+          <a:blip r:embed="rId2"/>
+          <a:stretch>
+            <a:fillRect/>
+          </a:stretch>
+        </p:blipFill>
+        <p:spPr>
+          <a:xfrm>
+            <a:off x="1227896" y="3842613"/>
+            <a:ext cx="4292671" cy="2220775"/>
+          </a:xfrm>
+          <a:prstGeom prst="rect">
+            <a:avLst/>
+          </a:prstGeom>
+        </p:spPr>
+      </p:pic>
+      <p:pic>
+        <p:nvPicPr>
+          <p:cNvPr id="5" name="Picture 4">
+            <a:extLst>
+              <a:ext uri="{FF2B5EF4-FFF2-40B4-BE49-F238E27FC236}">
+                <a16:creationId xmlns:a16="http://schemas.microsoft.com/office/drawing/2014/main" id="{D961D1DC-19B2-4E63-BC4F-50286304A3FD}"/>
+              </a:ext>
+            </a:extLst>
+          </p:cNvPr>
+          <p:cNvPicPr>
+            <a:picLocks noChangeAspect="1"/>
+          </p:cNvPicPr>
+          <p:nvPr/>
+        </p:nvPicPr>
+        <p:blipFill>
+          <a:blip r:embed="rId3"/>
+          <a:stretch>
+            <a:fillRect/>
+          </a:stretch>
+        </p:blipFill>
+        <p:spPr>
+          <a:xfrm>
+            <a:off x="5687046" y="3842613"/>
+            <a:ext cx="4581525" cy="1076325"/>
+          </a:xfrm>
+          <a:prstGeom prst="rect">
+            <a:avLst/>
+          </a:prstGeom>
+        </p:spPr>
+      </p:pic>
+      <p:pic>
+        <p:nvPicPr>
+          <p:cNvPr id="6" name="Picture 5">
+            <a:extLst>
+              <a:ext uri="{FF2B5EF4-FFF2-40B4-BE49-F238E27FC236}">
+                <a16:creationId xmlns:a16="http://schemas.microsoft.com/office/drawing/2014/main" id="{64596475-0964-400B-B59F-8873C0C6E0C8}"/>
+              </a:ext>
+            </a:extLst>
+          </p:cNvPr>
+          <p:cNvPicPr>
+            <a:picLocks noChangeAspect="1"/>
+          </p:cNvPicPr>
+          <p:nvPr/>
+        </p:nvPicPr>
+        <p:blipFill>
+          <a:blip r:embed="rId4"/>
+          <a:stretch>
+            <a:fillRect/>
+          </a:stretch>
+        </p:blipFill>
+        <p:spPr>
+          <a:xfrm>
+            <a:off x="5687046" y="5124745"/>
+            <a:ext cx="6229350" cy="1171575"/>
+          </a:xfrm>
+          <a:prstGeom prst="rect">
+            <a:avLst/>
+          </a:prstGeom>
+        </p:spPr>
+      </p:pic>
     </p:spTree>
     <p:extLst>
       <p:ext uri="{BB962C8B-B14F-4D97-AF65-F5344CB8AC3E}">

--- a/Go.pptx
+++ b/Go.pptx
@@ -16,6 +16,7 @@
     <p:sldId id="266" r:id="rId10"/>
     <p:sldId id="264" r:id="rId11"/>
     <p:sldId id="265" r:id="rId12"/>
+    <p:sldId id="267" r:id="rId13"/>
   </p:sldIdLst>
   <p:sldSz cx="12192000" cy="6858000"/>
   <p:notesSz cx="6858000" cy="9144000"/>
@@ -8025,6 +8026,119 @@
 </p:sld>
 </file>
 
+<file path=ppt/slides/slide12.xml><?xml version="1.0" encoding="utf-8"?>
+<p:sld xmlns:a="http://schemas.openxmlformats.org/drawingml/2006/main" xmlns:r="http://schemas.openxmlformats.org/officeDocument/2006/relationships" xmlns:p="http://schemas.openxmlformats.org/presentationml/2006/main">
+  <p:cSld>
+    <p:spTree>
+      <p:nvGrpSpPr>
+        <p:cNvPr id="1" name=""/>
+        <p:cNvGrpSpPr/>
+        <p:nvPr/>
+      </p:nvGrpSpPr>
+      <p:grpSpPr>
+        <a:xfrm>
+          <a:off x="0" y="0"/>
+          <a:ext cx="0" cy="0"/>
+          <a:chOff x="0" y="0"/>
+          <a:chExt cx="0" cy="0"/>
+        </a:xfrm>
+      </p:grpSpPr>
+      <p:sp>
+        <p:nvSpPr>
+          <p:cNvPr id="2" name="Title 1">
+            <a:extLst>
+              <a:ext uri="{FF2B5EF4-FFF2-40B4-BE49-F238E27FC236}">
+                <a16:creationId xmlns:a16="http://schemas.microsoft.com/office/drawing/2014/main" id="{30C85B0A-BCF0-4F5B-B58D-7B36A59D4E22}"/>
+              </a:ext>
+            </a:extLst>
+          </p:cNvPr>
+          <p:cNvSpPr>
+            <a:spLocks noGrp="1"/>
+          </p:cNvSpPr>
+          <p:nvPr>
+            <p:ph type="title"/>
+          </p:nvPr>
+        </p:nvSpPr>
+        <p:spPr/>
+        <p:txBody>
+          <a:bodyPr/>
+          <a:lstStyle/>
+          <a:p>
+            <a:r>
+              <a:rPr lang="de-CH" dirty="0"/>
+              <a:t>Fazit</a:t>
+            </a:r>
+          </a:p>
+        </p:txBody>
+      </p:sp>
+      <p:sp>
+        <p:nvSpPr>
+          <p:cNvPr id="3" name="Content Placeholder 2">
+            <a:extLst>
+              <a:ext uri="{FF2B5EF4-FFF2-40B4-BE49-F238E27FC236}">
+                <a16:creationId xmlns:a16="http://schemas.microsoft.com/office/drawing/2014/main" id="{1085D608-132A-4FEA-83C1-35B610EBD782}"/>
+              </a:ext>
+            </a:extLst>
+          </p:cNvPr>
+          <p:cNvSpPr>
+            <a:spLocks noGrp="1"/>
+          </p:cNvSpPr>
+          <p:nvPr>
+            <p:ph idx="1"/>
+          </p:nvPr>
+        </p:nvSpPr>
+        <p:spPr/>
+        <p:txBody>
+          <a:bodyPr/>
+          <a:lstStyle/>
+          <a:p>
+            <a:r>
+              <a:rPr lang="de-CH" dirty="0"/>
+              <a:t>Guten Ruf</a:t>
+            </a:r>
+          </a:p>
+          <a:p>
+            <a:r>
+              <a:rPr lang="de-CH" dirty="0"/>
+              <a:t>Simple Konstrukte</a:t>
+            </a:r>
+          </a:p>
+          <a:p>
+            <a:r>
+              <a:rPr lang="de-CH" dirty="0"/>
+              <a:t>Optimal für alle</a:t>
+            </a:r>
+          </a:p>
+          <a:p>
+            <a:pPr lvl="1"/>
+            <a:r>
+              <a:rPr lang="de-CH" dirty="0"/>
+              <a:t>Anfänger</a:t>
+            </a:r>
+          </a:p>
+          <a:p>
+            <a:pPr lvl="1"/>
+            <a:r>
+              <a:rPr lang="de-CH"/>
+              <a:t>Experte</a:t>
+            </a:r>
+            <a:endParaRPr lang="de-CH" dirty="0"/>
+          </a:p>
+        </p:txBody>
+      </p:sp>
+    </p:spTree>
+    <p:extLst>
+      <p:ext uri="{BB962C8B-B14F-4D97-AF65-F5344CB8AC3E}">
+        <p14:creationId xmlns:p14="http://schemas.microsoft.com/office/powerpoint/2010/main" val="2540633657"/>
+      </p:ext>
+    </p:extLst>
+  </p:cSld>
+  <p:clrMapOvr>
+    <a:masterClrMapping/>
+  </p:clrMapOvr>
+</p:sld>
+</file>
+
 <file path=ppt/slides/slide2.xml><?xml version="1.0" encoding="utf-8"?>
 <p:sld xmlns:a="http://schemas.openxmlformats.org/drawingml/2006/main" xmlns:r="http://schemas.openxmlformats.org/officeDocument/2006/relationships" xmlns:p="http://schemas.openxmlformats.org/presentationml/2006/main">
   <p:cSld>
@@ -8125,6 +8239,12 @@
             <a:r>
               <a:rPr lang="de-CH" dirty="0"/>
               <a:t>Code Beispiel</a:t>
+            </a:r>
+          </a:p>
+          <a:p>
+            <a:r>
+              <a:rPr lang="de-CH" dirty="0"/>
+              <a:t>Fazit</a:t>
             </a:r>
           </a:p>
           <a:p>

--- a/Go.pptx
+++ b/Go.pptx
@@ -316,7 +316,7 @@
             <a:fld id="{B61BEF0D-F0BB-DE4B-95CE-6DB70DBA9567}" type="datetimeFigureOut">
               <a:rPr lang="en-US" dirty="0"/>
               <a:pPr/>
-              <a:t>12/19/2017</a:t>
+              <a:t>12/21/2017</a:t>
             </a:fld>
             <a:endParaRPr lang="en-US" dirty="0"/>
           </a:p>
@@ -651,7 +651,7 @@
             <a:fld id="{B61BEF0D-F0BB-DE4B-95CE-6DB70DBA9567}" type="datetimeFigureOut">
               <a:rPr lang="en-US" dirty="0"/>
               <a:pPr/>
-              <a:t>12/19/2017</a:t>
+              <a:t>12/21/2017</a:t>
             </a:fld>
             <a:endParaRPr lang="en-US" dirty="0"/>
           </a:p>
@@ -1049,7 +1049,7 @@
             <a:fld id="{B61BEF0D-F0BB-DE4B-95CE-6DB70DBA9567}" type="datetimeFigureOut">
               <a:rPr lang="en-US" dirty="0"/>
               <a:pPr/>
-              <a:t>12/19/2017</a:t>
+              <a:t>12/21/2017</a:t>
             </a:fld>
             <a:endParaRPr lang="en-US" dirty="0"/>
           </a:p>
@@ -1382,7 +1382,7 @@
             <a:fld id="{B61BEF0D-F0BB-DE4B-95CE-6DB70DBA9567}" type="datetimeFigureOut">
               <a:rPr lang="en-US" dirty="0"/>
               <a:pPr/>
-              <a:t>12/19/2017</a:t>
+              <a:t>12/21/2017</a:t>
             </a:fld>
             <a:endParaRPr lang="en-US" dirty="0"/>
           </a:p>
@@ -1699,7 +1699,7 @@
             <a:fld id="{B61BEF0D-F0BB-DE4B-95CE-6DB70DBA9567}" type="datetimeFigureOut">
               <a:rPr lang="en-US" dirty="0"/>
               <a:pPr/>
-              <a:t>12/19/2017</a:t>
+              <a:t>12/21/2017</a:t>
             </a:fld>
             <a:endParaRPr lang="en-US" dirty="0"/>
           </a:p>
@@ -2092,7 +2092,7 @@
             <a:fld id="{B61BEF0D-F0BB-DE4B-95CE-6DB70DBA9567}" type="datetimeFigureOut">
               <a:rPr lang="en-US" dirty="0"/>
               <a:pPr/>
-              <a:t>12/19/2017</a:t>
+              <a:t>12/21/2017</a:t>
             </a:fld>
             <a:endParaRPr lang="en-US" dirty="0"/>
           </a:p>
@@ -2346,7 +2346,7 @@
             <a:fld id="{B61BEF0D-F0BB-DE4B-95CE-6DB70DBA9567}" type="datetimeFigureOut">
               <a:rPr lang="en-US" dirty="0"/>
               <a:pPr/>
-              <a:t>12/19/2017</a:t>
+              <a:t>12/21/2017</a:t>
             </a:fld>
             <a:endParaRPr lang="en-US" dirty="0"/>
           </a:p>
@@ -2605,7 +2605,7 @@
             <a:fld id="{B61BEF0D-F0BB-DE4B-95CE-6DB70DBA9567}" type="datetimeFigureOut">
               <a:rPr lang="en-US" dirty="0"/>
               <a:pPr/>
-              <a:t>12/19/2017</a:t>
+              <a:t>12/21/2017</a:t>
             </a:fld>
             <a:endParaRPr lang="en-US" dirty="0"/>
           </a:p>
@@ -2864,7 +2864,7 @@
             <a:fld id="{B61BEF0D-F0BB-DE4B-95CE-6DB70DBA9567}" type="datetimeFigureOut">
               <a:rPr lang="en-US" dirty="0"/>
               <a:pPr/>
-              <a:t>12/19/2017</a:t>
+              <a:t>12/21/2017</a:t>
             </a:fld>
             <a:endParaRPr lang="en-US" dirty="0"/>
           </a:p>
@@ -3190,7 +3190,7 @@
             <a:fld id="{B61BEF0D-F0BB-DE4B-95CE-6DB70DBA9567}" type="datetimeFigureOut">
               <a:rPr lang="en-US" dirty="0"/>
               <a:pPr/>
-              <a:t>12/19/2017</a:t>
+              <a:t>12/21/2017</a:t>
             </a:fld>
             <a:endParaRPr lang="en-US" dirty="0"/>
           </a:p>
@@ -3510,7 +3510,7 @@
             <a:fld id="{B61BEF0D-F0BB-DE4B-95CE-6DB70DBA9567}" type="datetimeFigureOut">
               <a:rPr lang="en-US" dirty="0"/>
               <a:pPr/>
-              <a:t>12/19/2017</a:t>
+              <a:t>12/21/2017</a:t>
             </a:fld>
             <a:endParaRPr lang="en-US" dirty="0"/>
           </a:p>
@@ -3964,7 +3964,7 @@
             <a:fld id="{B61BEF0D-F0BB-DE4B-95CE-6DB70DBA9567}" type="datetimeFigureOut">
               <a:rPr lang="en-US" dirty="0"/>
               <a:pPr/>
-              <a:t>12/19/2017</a:t>
+              <a:t>12/21/2017</a:t>
             </a:fld>
             <a:endParaRPr lang="en-US" dirty="0"/>
           </a:p>
@@ -4166,7 +4166,7 @@
             <a:fld id="{B61BEF0D-F0BB-DE4B-95CE-6DB70DBA9567}" type="datetimeFigureOut">
               <a:rPr lang="en-US" dirty="0"/>
               <a:pPr/>
-              <a:t>12/19/2017</a:t>
+              <a:t>12/21/2017</a:t>
             </a:fld>
             <a:endParaRPr lang="en-US" dirty="0"/>
           </a:p>
@@ -4340,7 +4340,7 @@
             <a:fld id="{B61BEF0D-F0BB-DE4B-95CE-6DB70DBA9567}" type="datetimeFigureOut">
               <a:rPr lang="en-US" dirty="0"/>
               <a:pPr/>
-              <a:t>12/19/2017</a:t>
+              <a:t>12/21/2017</a:t>
             </a:fld>
             <a:endParaRPr lang="en-US" dirty="0"/>
           </a:p>
@@ -4670,7 +4670,7 @@
             <a:fld id="{B61BEF0D-F0BB-DE4B-95CE-6DB70DBA9567}" type="datetimeFigureOut">
               <a:rPr lang="en-US" dirty="0"/>
               <a:pPr/>
-              <a:t>12/19/2017</a:t>
+              <a:t>12/21/2017</a:t>
             </a:fld>
             <a:endParaRPr lang="en-US" dirty="0"/>
           </a:p>
@@ -5012,7 +5012,7 @@
             <a:fld id="{B61BEF0D-F0BB-DE4B-95CE-6DB70DBA9567}" type="datetimeFigureOut">
               <a:rPr lang="en-US" dirty="0"/>
               <a:pPr/>
-              <a:t>12/19/2017</a:t>
+              <a:t>12/21/2017</a:t>
             </a:fld>
             <a:endParaRPr lang="en-US" dirty="0"/>
           </a:p>
@@ -7126,7 +7126,7 @@
             <a:fld id="{B61BEF0D-F0BB-DE4B-95CE-6DB70DBA9567}" type="datetimeFigureOut">
               <a:rPr lang="en-US" dirty="0"/>
               <a:pPr/>
-              <a:t>12/19/2017</a:t>
+              <a:t>12/21/2017</a:t>
             </a:fld>
             <a:endParaRPr lang="en-US" dirty="0"/>
           </a:p>
@@ -8404,6 +8404,36 @@
           </a:p>
         </p:txBody>
       </p:sp>
+      <p:pic>
+        <p:nvPicPr>
+          <p:cNvPr id="4" name="Picture 3">
+            <a:extLst>
+              <a:ext uri="{FF2B5EF4-FFF2-40B4-BE49-F238E27FC236}">
+                <a16:creationId xmlns:a16="http://schemas.microsoft.com/office/drawing/2014/main" id="{D28CEA75-A35B-4617-B8CA-31993B0D1448}"/>
+              </a:ext>
+            </a:extLst>
+          </p:cNvPr>
+          <p:cNvPicPr>
+            <a:picLocks noChangeAspect="1"/>
+          </p:cNvPicPr>
+          <p:nvPr/>
+        </p:nvPicPr>
+        <p:blipFill>
+          <a:blip r:embed="rId2"/>
+          <a:stretch>
+            <a:fillRect/>
+          </a:stretch>
+        </p:blipFill>
+        <p:spPr>
+          <a:xfrm>
+            <a:off x="8040757" y="1319212"/>
+            <a:ext cx="2286000" cy="1628775"/>
+          </a:xfrm>
+          <a:prstGeom prst="rect">
+            <a:avLst/>
+          </a:prstGeom>
+        </p:spPr>
+      </p:pic>
     </p:spTree>
     <p:extLst>
       <p:ext uri="{BB962C8B-B14F-4D97-AF65-F5344CB8AC3E}">
@@ -8751,7 +8781,9 @@
           </a:xfrm>
         </p:spPr>
         <p:txBody>
-          <a:bodyPr/>
+          <a:bodyPr>
+            <a:normAutofit/>
+          </a:bodyPr>
           <a:lstStyle/>
           <a:p>
             <a:r>
@@ -8782,6 +8814,18 @@
             <a:r>
               <a:rPr lang="de-CH" dirty="0"/>
               <a:t> notwendig</a:t>
+            </a:r>
+          </a:p>
+          <a:p>
+            <a:pPr marL="0" indent="0">
+              <a:buNone/>
+            </a:pPr>
+            <a:endParaRPr lang="de-CH" dirty="0"/>
+          </a:p>
+          <a:p>
+            <a:r>
+              <a:rPr lang="de-CH" dirty="0"/>
+              <a:t>Ein Name (kann eine Variable, Funktion, usw. sein) wird exportiert, wenn er mit einem Grossbuchstaben beginnt. Damit ist der Name dann auch ausserhalb des Packages zugänglich.</a:t>
             </a:r>
           </a:p>
           <a:p>
@@ -8876,6 +8920,36 @@
           <a:xfrm>
             <a:off x="2337143" y="3299791"/>
             <a:ext cx="3220954" cy="238125"/>
+          </a:xfrm>
+          <a:prstGeom prst="rect">
+            <a:avLst/>
+          </a:prstGeom>
+        </p:spPr>
+      </p:pic>
+      <p:pic>
+        <p:nvPicPr>
+          <p:cNvPr id="8" name="Picture 7">
+            <a:extLst>
+              <a:ext uri="{FF2B5EF4-FFF2-40B4-BE49-F238E27FC236}">
+                <a16:creationId xmlns:a16="http://schemas.microsoft.com/office/drawing/2014/main" id="{0531D678-CF9A-46EA-9D8A-DCD781A62F09}"/>
+              </a:ext>
+            </a:extLst>
+          </p:cNvPr>
+          <p:cNvPicPr>
+            <a:picLocks noChangeAspect="1"/>
+          </p:cNvPicPr>
+          <p:nvPr/>
+        </p:nvPicPr>
+        <p:blipFill>
+          <a:blip r:embed="rId5"/>
+          <a:stretch>
+            <a:fillRect/>
+          </a:stretch>
+        </p:blipFill>
+        <p:spPr>
+          <a:xfrm>
+            <a:off x="1833513" y="4362619"/>
+            <a:ext cx="3724582" cy="723900"/>
           </a:xfrm>
           <a:prstGeom prst="rect">
             <a:avLst/>

--- a/Go.pptx
+++ b/Go.pptx
@@ -9,14 +9,13 @@
     <p:sldId id="257" r:id="rId3"/>
     <p:sldId id="258" r:id="rId4"/>
     <p:sldId id="259" r:id="rId5"/>
-    <p:sldId id="260" r:id="rId6"/>
-    <p:sldId id="261" r:id="rId7"/>
-    <p:sldId id="262" r:id="rId8"/>
-    <p:sldId id="263" r:id="rId9"/>
-    <p:sldId id="266" r:id="rId10"/>
-    <p:sldId id="264" r:id="rId11"/>
-    <p:sldId id="265" r:id="rId12"/>
-    <p:sldId id="267" r:id="rId13"/>
+    <p:sldId id="261" r:id="rId6"/>
+    <p:sldId id="262" r:id="rId7"/>
+    <p:sldId id="263" r:id="rId8"/>
+    <p:sldId id="266" r:id="rId9"/>
+    <p:sldId id="264" r:id="rId10"/>
+    <p:sldId id="265" r:id="rId11"/>
+    <p:sldId id="267" r:id="rId12"/>
   </p:sldIdLst>
   <p:sldSz cx="12192000" cy="6858000"/>
   <p:notesSz cx="6858000" cy="9144000"/>
@@ -7730,161 +7729,6 @@
           <p:cNvPr id="2" name="Title 1">
             <a:extLst>
               <a:ext uri="{FF2B5EF4-FFF2-40B4-BE49-F238E27FC236}">
-                <a16:creationId xmlns:a16="http://schemas.microsoft.com/office/drawing/2014/main" id="{D3185C08-89B4-4B34-9B67-2C007528EAD9}"/>
-              </a:ext>
-            </a:extLst>
-          </p:cNvPr>
-          <p:cNvSpPr>
-            <a:spLocks noGrp="1"/>
-          </p:cNvSpPr>
-          <p:nvPr>
-            <p:ph type="title"/>
-          </p:nvPr>
-        </p:nvSpPr>
-        <p:spPr/>
-        <p:txBody>
-          <a:bodyPr/>
-          <a:lstStyle/>
-          <a:p>
-            <a:r>
-              <a:rPr lang="de-CH" dirty="0"/>
-              <a:t>Code Beispiel Skeleton</a:t>
-            </a:r>
-          </a:p>
-        </p:txBody>
-      </p:sp>
-      <p:sp>
-        <p:nvSpPr>
-          <p:cNvPr id="3" name="Content Placeholder 2">
-            <a:extLst>
-              <a:ext uri="{FF2B5EF4-FFF2-40B4-BE49-F238E27FC236}">
-                <a16:creationId xmlns:a16="http://schemas.microsoft.com/office/drawing/2014/main" id="{56D72204-DB6B-4E68-A279-28F6B50BC7E3}"/>
-              </a:ext>
-            </a:extLst>
-          </p:cNvPr>
-          <p:cNvSpPr>
-            <a:spLocks noGrp="1"/>
-          </p:cNvSpPr>
-          <p:nvPr>
-            <p:ph idx="1"/>
-          </p:nvPr>
-        </p:nvSpPr>
-        <p:spPr/>
-        <p:txBody>
-          <a:bodyPr/>
-          <a:lstStyle/>
-          <a:p>
-            <a:endParaRPr lang="de-CH" dirty="0"/>
-          </a:p>
-          <a:p>
-            <a:endParaRPr lang="de-CH" dirty="0"/>
-          </a:p>
-          <a:p>
-            <a:endParaRPr lang="de-CH" dirty="0"/>
-          </a:p>
-          <a:p>
-            <a:endParaRPr lang="de-CH" dirty="0"/>
-          </a:p>
-          <a:p>
-            <a:endParaRPr lang="de-CH" dirty="0"/>
-          </a:p>
-        </p:txBody>
-      </p:sp>
-      <p:pic>
-        <p:nvPicPr>
-          <p:cNvPr id="5" name="Picture 4">
-            <a:extLst>
-              <a:ext uri="{FF2B5EF4-FFF2-40B4-BE49-F238E27FC236}">
-                <a16:creationId xmlns:a16="http://schemas.microsoft.com/office/drawing/2014/main" id="{793A9721-EAB8-4F4B-940E-515DEFE2A0F5}"/>
-              </a:ext>
-            </a:extLst>
-          </p:cNvPr>
-          <p:cNvPicPr>
-            <a:picLocks noChangeAspect="1"/>
-          </p:cNvPicPr>
-          <p:nvPr/>
-        </p:nvPicPr>
-        <p:blipFill>
-          <a:blip r:embed="rId2"/>
-          <a:stretch>
-            <a:fillRect/>
-          </a:stretch>
-        </p:blipFill>
-        <p:spPr>
-          <a:xfrm>
-            <a:off x="6583017" y="1334957"/>
-            <a:ext cx="4724400" cy="5857875"/>
-          </a:xfrm>
-          <a:prstGeom prst="rect">
-            <a:avLst/>
-          </a:prstGeom>
-        </p:spPr>
-      </p:pic>
-      <p:pic>
-        <p:nvPicPr>
-          <p:cNvPr id="6" name="Picture 5">
-            <a:extLst>
-              <a:ext uri="{FF2B5EF4-FFF2-40B4-BE49-F238E27FC236}">
-                <a16:creationId xmlns:a16="http://schemas.microsoft.com/office/drawing/2014/main" id="{049E5890-2C26-441F-ACFE-7110E826224B}"/>
-              </a:ext>
-            </a:extLst>
-          </p:cNvPr>
-          <p:cNvPicPr>
-            <a:picLocks noChangeAspect="1"/>
-          </p:cNvPicPr>
-          <p:nvPr/>
-        </p:nvPicPr>
-        <p:blipFill>
-          <a:blip r:embed="rId3"/>
-          <a:stretch>
-            <a:fillRect/>
-          </a:stretch>
-        </p:blipFill>
-        <p:spPr>
-          <a:xfrm>
-            <a:off x="394597" y="1334957"/>
-            <a:ext cx="5991225" cy="3114675"/>
-          </a:xfrm>
-          <a:prstGeom prst="rect">
-            <a:avLst/>
-          </a:prstGeom>
-        </p:spPr>
-      </p:pic>
-    </p:spTree>
-    <p:extLst>
-      <p:ext uri="{BB962C8B-B14F-4D97-AF65-F5344CB8AC3E}">
-        <p14:creationId xmlns:p14="http://schemas.microsoft.com/office/powerpoint/2010/main" val="27152340"/>
-      </p:ext>
-    </p:extLst>
-  </p:cSld>
-  <p:clrMapOvr>
-    <a:masterClrMapping/>
-  </p:clrMapOvr>
-</p:sld>
-</file>
-
-<file path=ppt/slides/slide11.xml><?xml version="1.0" encoding="utf-8"?>
-<p:sld xmlns:a="http://schemas.openxmlformats.org/drawingml/2006/main" xmlns:r="http://schemas.openxmlformats.org/officeDocument/2006/relationships" xmlns:p="http://schemas.openxmlformats.org/presentationml/2006/main">
-  <p:cSld>
-    <p:spTree>
-      <p:nvGrpSpPr>
-        <p:cNvPr id="1" name=""/>
-        <p:cNvGrpSpPr/>
-        <p:nvPr/>
-      </p:nvGrpSpPr>
-      <p:grpSpPr>
-        <a:xfrm>
-          <a:off x="0" y="0"/>
-          <a:ext cx="0" cy="0"/>
-          <a:chOff x="0" y="0"/>
-          <a:chExt cx="0" cy="0"/>
-        </a:xfrm>
-      </p:grpSpPr>
-      <p:sp>
-        <p:nvSpPr>
-          <p:cNvPr id="2" name="Title 1">
-            <a:extLst>
-              <a:ext uri="{FF2B5EF4-FFF2-40B4-BE49-F238E27FC236}">
                 <a16:creationId xmlns:a16="http://schemas.microsoft.com/office/drawing/2014/main" id="{39D844EA-639F-44B7-ACF5-0846758A71A9}"/>
               </a:ext>
             </a:extLst>
@@ -7952,12 +7796,8 @@
           </a:p>
           <a:p>
             <a:r>
-              <a:rPr lang="de-CH" dirty="0" err="1"/>
-              <a:t>Humen</a:t>
-            </a:r>
-            <a:r>
               <a:rPr lang="de-CH" dirty="0"/>
-              <a:t> h = </a:t>
+              <a:t>Human h = </a:t>
             </a:r>
             <a:r>
               <a:rPr lang="de-CH" dirty="0" err="1"/>
@@ -7971,13 +7811,7 @@
               <a:rPr lang="de-CH" dirty="0">
                 <a:sym typeface="Wingdings" panose="05000000000000000000" pitchFamily="2" charset="2"/>
               </a:rPr>
-              <a:t> h := </a:t>
-            </a:r>
-            <a:r>
-              <a:rPr lang="de-CH" dirty="0" err="1">
-                <a:sym typeface="Wingdings" panose="05000000000000000000" pitchFamily="2" charset="2"/>
-              </a:rPr>
-              <a:t>humen</a:t>
+              <a:t> h := human</a:t>
             </a:r>
             <a:endParaRPr lang="de-CH" dirty="0"/>
           </a:p>
@@ -8026,7 +7860,7 @@
 </p:sld>
 </file>
 
-<file path=ppt/slides/slide12.xml><?xml version="1.0" encoding="utf-8"?>
+<file path=ppt/slides/slide11.xml><?xml version="1.0" encoding="utf-8"?>
 <p:sld xmlns:a="http://schemas.openxmlformats.org/drawingml/2006/main" xmlns:r="http://schemas.openxmlformats.org/officeDocument/2006/relationships" xmlns:p="http://schemas.openxmlformats.org/presentationml/2006/main">
   <p:cSld>
     <p:spTree>
@@ -8516,11 +8350,13 @@
         <p:spPr>
           <a:xfrm>
             <a:off x="6313224" y="2042890"/>
-            <a:ext cx="4984542" cy="3777622"/>
+            <a:ext cx="4984542" cy="3962400"/>
           </a:xfrm>
         </p:spPr>
         <p:txBody>
-          <a:bodyPr/>
+          <a:bodyPr>
+            <a:normAutofit lnSpcReduction="10000"/>
+          </a:bodyPr>
           <a:lstStyle/>
           <a:p>
             <a:r>
@@ -8532,60 +8368,50 @@
             <a:endParaRPr lang="de-CH" dirty="0"/>
           </a:p>
           <a:p>
-            <a:endParaRPr lang="de-CH" dirty="0"/>
-          </a:p>
-          <a:p>
             <a:r>
               <a:rPr lang="de-CH" dirty="0" err="1"/>
               <a:t>Struct</a:t>
             </a:r>
             <a:r>
               <a:rPr lang="de-CH" dirty="0"/>
-              <a:t> </a:t>
-            </a:r>
-            <a:r>
-              <a:rPr lang="de-CH" dirty="0" err="1"/>
-              <a:t>rect</a:t>
-            </a:r>
+              <a:t> T</a:t>
+            </a:r>
+          </a:p>
+          <a:p>
             <a:endParaRPr lang="de-CH" dirty="0"/>
           </a:p>
           <a:p>
             <a:endParaRPr lang="de-CH" dirty="0"/>
           </a:p>
           <a:p>
+            <a:r>
+              <a:rPr lang="de-CH" dirty="0"/>
+              <a:t>Implementation M()</a:t>
+            </a:r>
+          </a:p>
+          <a:p>
             <a:endParaRPr lang="de-CH" dirty="0"/>
           </a:p>
           <a:p>
+            <a:endParaRPr lang="de-CH" dirty="0"/>
+          </a:p>
+          <a:p>
+            <a:endParaRPr lang="de-CH" dirty="0"/>
+          </a:p>
+          <a:p>
             <a:r>
               <a:rPr lang="de-CH" dirty="0"/>
-              <a:t>Implementation Area()</a:t>
-            </a:r>
-          </a:p>
-          <a:p>
-            <a:endParaRPr lang="de-CH" dirty="0"/>
-          </a:p>
-          <a:p>
-            <a:r>
-              <a:rPr lang="de-CH" dirty="0"/>
-              <a:t>Implementation </a:t>
-            </a:r>
-            <a:r>
-              <a:rPr lang="de-CH" dirty="0" err="1"/>
-              <a:t>Perim</a:t>
-            </a:r>
-            <a:r>
-              <a:rPr lang="de-CH" dirty="0"/>
-              <a:t>()</a:t>
+              <a:t>Aufruf M()</a:t>
             </a:r>
           </a:p>
         </p:txBody>
       </p:sp>
       <p:pic>
         <p:nvPicPr>
-          <p:cNvPr id="5" name="Picture 4">
+          <p:cNvPr id="4" name="Picture 3">
             <a:extLst>
               <a:ext uri="{FF2B5EF4-FFF2-40B4-BE49-F238E27FC236}">
-                <a16:creationId xmlns:a16="http://schemas.microsoft.com/office/drawing/2014/main" id="{2B708F05-1D14-4AAC-B1B5-115123DC748A}"/>
+                <a16:creationId xmlns:a16="http://schemas.microsoft.com/office/drawing/2014/main" id="{9602820F-1AEE-4DC8-9458-D40F682DF2FA}"/>
               </a:ext>
             </a:extLst>
           </p:cNvPr>
@@ -8602,8 +8428,8 @@
         </p:blipFill>
         <p:spPr>
           <a:xfrm>
-            <a:off x="1151214" y="2042890"/>
-            <a:ext cx="4727564" cy="4191000"/>
+            <a:off x="260075" y="2136913"/>
+            <a:ext cx="5981700" cy="3962400"/>
           </a:xfrm>
           <a:prstGeom prst="rect">
             <a:avLst/>
@@ -8645,96 +8471,6 @@
           <p:cNvPr id="2" name="Title 1">
             <a:extLst>
               <a:ext uri="{FF2B5EF4-FFF2-40B4-BE49-F238E27FC236}">
-                <a16:creationId xmlns:a16="http://schemas.microsoft.com/office/drawing/2014/main" id="{5503AA67-9F18-433E-AF02-868263C9F8F7}"/>
-              </a:ext>
-            </a:extLst>
-          </p:cNvPr>
-          <p:cNvSpPr>
-            <a:spLocks noGrp="1"/>
-          </p:cNvSpPr>
-          <p:nvPr>
-            <p:ph type="title"/>
-          </p:nvPr>
-        </p:nvSpPr>
-        <p:spPr/>
-        <p:txBody>
-          <a:bodyPr/>
-          <a:lstStyle/>
-          <a:p>
-            <a:r>
-              <a:rPr lang="de-CH" dirty="0"/>
-              <a:t>Code Beispiel</a:t>
-            </a:r>
-          </a:p>
-        </p:txBody>
-      </p:sp>
-      <p:pic>
-        <p:nvPicPr>
-          <p:cNvPr id="4" name="Content Placeholder 3">
-            <a:extLst>
-              <a:ext uri="{FF2B5EF4-FFF2-40B4-BE49-F238E27FC236}">
-                <a16:creationId xmlns:a16="http://schemas.microsoft.com/office/drawing/2014/main" id="{770D0502-710C-4E67-A90C-FB85618BA03F}"/>
-              </a:ext>
-            </a:extLst>
-          </p:cNvPr>
-          <p:cNvPicPr>
-            <a:picLocks noGrp="1" noChangeAspect="1"/>
-          </p:cNvPicPr>
-          <p:nvPr>
-            <p:ph idx="1"/>
-          </p:nvPr>
-        </p:nvPicPr>
-        <p:blipFill>
-          <a:blip r:embed="rId2"/>
-          <a:stretch>
-            <a:fillRect/>
-          </a:stretch>
-        </p:blipFill>
-        <p:spPr>
-          <a:xfrm>
-            <a:off x="2523786" y="1356357"/>
-            <a:ext cx="7075289" cy="5335992"/>
-          </a:xfrm>
-          <a:prstGeom prst="rect">
-            <a:avLst/>
-          </a:prstGeom>
-        </p:spPr>
-      </p:pic>
-    </p:spTree>
-    <p:extLst>
-      <p:ext uri="{BB962C8B-B14F-4D97-AF65-F5344CB8AC3E}">
-        <p14:creationId xmlns:p14="http://schemas.microsoft.com/office/powerpoint/2010/main" val="3559962577"/>
-      </p:ext>
-    </p:extLst>
-  </p:cSld>
-  <p:clrMapOvr>
-    <a:masterClrMapping/>
-  </p:clrMapOvr>
-</p:sld>
-</file>
-
-<file path=ppt/slides/slide6.xml><?xml version="1.0" encoding="utf-8"?>
-<p:sld xmlns:a="http://schemas.openxmlformats.org/drawingml/2006/main" xmlns:r="http://schemas.openxmlformats.org/officeDocument/2006/relationships" xmlns:p="http://schemas.openxmlformats.org/presentationml/2006/main">
-  <p:cSld>
-    <p:spTree>
-      <p:nvGrpSpPr>
-        <p:cNvPr id="1" name=""/>
-        <p:cNvGrpSpPr/>
-        <p:nvPr/>
-      </p:nvGrpSpPr>
-      <p:grpSpPr>
-        <a:xfrm>
-          <a:off x="0" y="0"/>
-          <a:ext cx="0" cy="0"/>
-          <a:chOff x="0" y="0"/>
-          <a:chExt cx="0" cy="0"/>
-        </a:xfrm>
-      </p:grpSpPr>
-      <p:sp>
-        <p:nvSpPr>
-          <p:cNvPr id="2" name="Title 1">
-            <a:extLst>
-              <a:ext uri="{FF2B5EF4-FFF2-40B4-BE49-F238E27FC236}">
                 <a16:creationId xmlns:a16="http://schemas.microsoft.com/office/drawing/2014/main" id="{6CEBCC24-CDE5-4A73-8EDE-44D4BC192B07}"/>
               </a:ext>
             </a:extLst>
@@ -8776,8 +8512,8 @@
         </p:nvSpPr>
         <p:spPr>
           <a:xfrm>
-            <a:off x="5558096" y="2133600"/>
-            <a:ext cx="5946515" cy="3777622"/>
+            <a:off x="5558096" y="1987827"/>
+            <a:ext cx="5946515" cy="3923395"/>
           </a:xfrm>
         </p:spPr>
         <p:txBody>
@@ -8788,8 +8524,14 @@
           <a:p>
             <a:r>
               <a:rPr lang="de-CH" dirty="0"/>
-              <a:t>mehrere Variablen in einen Statement instanziieren</a:t>
-            </a:r>
+              <a:t>mehrere Variablen in einen Statement definieren</a:t>
+            </a:r>
+          </a:p>
+          <a:p>
+            <a:pPr marL="0" indent="0">
+              <a:buNone/>
+            </a:pPr>
+            <a:endParaRPr lang="de-CH" dirty="0"/>
           </a:p>
           <a:p>
             <a:r>
@@ -8815,6 +8557,12 @@
               <a:rPr lang="de-CH" dirty="0"/>
               <a:t> notwendig</a:t>
             </a:r>
+          </a:p>
+          <a:p>
+            <a:pPr marL="0" indent="0">
+              <a:buNone/>
+            </a:pPr>
+            <a:endParaRPr lang="de-CH" dirty="0"/>
           </a:p>
           <a:p>
             <a:pPr marL="0" indent="0">
@@ -8948,7 +8696,7 @@
         </p:blipFill>
         <p:spPr>
           <a:xfrm>
-            <a:off x="1833513" y="4362619"/>
+            <a:off x="1833513" y="4508391"/>
             <a:ext cx="3724582" cy="723900"/>
           </a:xfrm>
           <a:prstGeom prst="rect">
@@ -8969,7 +8717,7 @@
 </p:sld>
 </file>
 
-<file path=ppt/slides/slide7.xml><?xml version="1.0" encoding="utf-8"?>
+<file path=ppt/slides/slide6.xml><?xml version="1.0" encoding="utf-8"?>
 <p:sld xmlns:a="http://schemas.openxmlformats.org/drawingml/2006/main" xmlns:r="http://schemas.openxmlformats.org/officeDocument/2006/relationships" xmlns:p="http://schemas.openxmlformats.org/presentationml/2006/main">
   <p:cSld>
     <p:spTree>
@@ -9087,7 +8835,7 @@
 </p:sld>
 </file>
 
-<file path=ppt/slides/slide8.xml><?xml version="1.0" encoding="utf-8"?>
+<file path=ppt/slides/slide7.xml><?xml version="1.0" encoding="utf-8"?>
 <p:sld xmlns:a="http://schemas.openxmlformats.org/drawingml/2006/main" xmlns:r="http://schemas.openxmlformats.org/officeDocument/2006/relationships" xmlns:p="http://schemas.openxmlformats.org/presentationml/2006/main">
   <p:cSld>
     <p:spTree>
@@ -9268,7 +9016,7 @@
 </p:sld>
 </file>
 
-<file path=ppt/slides/slide9.xml><?xml version="1.0" encoding="utf-8"?>
+<file path=ppt/slides/slide8.xml><?xml version="1.0" encoding="utf-8"?>
 <p:sld xmlns:a="http://schemas.openxmlformats.org/drawingml/2006/main" xmlns:r="http://schemas.openxmlformats.org/officeDocument/2006/relationships" xmlns:p="http://schemas.openxmlformats.org/presentationml/2006/main">
   <p:cSld>
     <p:spTree>
@@ -9472,6 +9220,161 @@
     <p:extLst>
       <p:ext uri="{BB962C8B-B14F-4D97-AF65-F5344CB8AC3E}">
         <p14:creationId xmlns:p14="http://schemas.microsoft.com/office/powerpoint/2010/main" val="2693229935"/>
+      </p:ext>
+    </p:extLst>
+  </p:cSld>
+  <p:clrMapOvr>
+    <a:masterClrMapping/>
+  </p:clrMapOvr>
+</p:sld>
+</file>
+
+<file path=ppt/slides/slide9.xml><?xml version="1.0" encoding="utf-8"?>
+<p:sld xmlns:a="http://schemas.openxmlformats.org/drawingml/2006/main" xmlns:r="http://schemas.openxmlformats.org/officeDocument/2006/relationships" xmlns:p="http://schemas.openxmlformats.org/presentationml/2006/main">
+  <p:cSld>
+    <p:spTree>
+      <p:nvGrpSpPr>
+        <p:cNvPr id="1" name=""/>
+        <p:cNvGrpSpPr/>
+        <p:nvPr/>
+      </p:nvGrpSpPr>
+      <p:grpSpPr>
+        <a:xfrm>
+          <a:off x="0" y="0"/>
+          <a:ext cx="0" cy="0"/>
+          <a:chOff x="0" y="0"/>
+          <a:chExt cx="0" cy="0"/>
+        </a:xfrm>
+      </p:grpSpPr>
+      <p:sp>
+        <p:nvSpPr>
+          <p:cNvPr id="2" name="Title 1">
+            <a:extLst>
+              <a:ext uri="{FF2B5EF4-FFF2-40B4-BE49-F238E27FC236}">
+                <a16:creationId xmlns:a16="http://schemas.microsoft.com/office/drawing/2014/main" id="{D3185C08-89B4-4B34-9B67-2C007528EAD9}"/>
+              </a:ext>
+            </a:extLst>
+          </p:cNvPr>
+          <p:cNvSpPr>
+            <a:spLocks noGrp="1"/>
+          </p:cNvSpPr>
+          <p:nvPr>
+            <p:ph type="title"/>
+          </p:nvPr>
+        </p:nvSpPr>
+        <p:spPr/>
+        <p:txBody>
+          <a:bodyPr/>
+          <a:lstStyle/>
+          <a:p>
+            <a:r>
+              <a:rPr lang="de-CH" dirty="0"/>
+              <a:t>Code Beispiel Skeleton</a:t>
+            </a:r>
+          </a:p>
+        </p:txBody>
+      </p:sp>
+      <p:sp>
+        <p:nvSpPr>
+          <p:cNvPr id="3" name="Content Placeholder 2">
+            <a:extLst>
+              <a:ext uri="{FF2B5EF4-FFF2-40B4-BE49-F238E27FC236}">
+                <a16:creationId xmlns:a16="http://schemas.microsoft.com/office/drawing/2014/main" id="{56D72204-DB6B-4E68-A279-28F6B50BC7E3}"/>
+              </a:ext>
+            </a:extLst>
+          </p:cNvPr>
+          <p:cNvSpPr>
+            <a:spLocks noGrp="1"/>
+          </p:cNvSpPr>
+          <p:nvPr>
+            <p:ph idx="1"/>
+          </p:nvPr>
+        </p:nvSpPr>
+        <p:spPr/>
+        <p:txBody>
+          <a:bodyPr/>
+          <a:lstStyle/>
+          <a:p>
+            <a:endParaRPr lang="de-CH" dirty="0"/>
+          </a:p>
+          <a:p>
+            <a:endParaRPr lang="de-CH" dirty="0"/>
+          </a:p>
+          <a:p>
+            <a:endParaRPr lang="de-CH" dirty="0"/>
+          </a:p>
+          <a:p>
+            <a:endParaRPr lang="de-CH" dirty="0"/>
+          </a:p>
+          <a:p>
+            <a:endParaRPr lang="de-CH" dirty="0"/>
+          </a:p>
+        </p:txBody>
+      </p:sp>
+      <p:pic>
+        <p:nvPicPr>
+          <p:cNvPr id="5" name="Picture 4">
+            <a:extLst>
+              <a:ext uri="{FF2B5EF4-FFF2-40B4-BE49-F238E27FC236}">
+                <a16:creationId xmlns:a16="http://schemas.microsoft.com/office/drawing/2014/main" id="{793A9721-EAB8-4F4B-940E-515DEFE2A0F5}"/>
+              </a:ext>
+            </a:extLst>
+          </p:cNvPr>
+          <p:cNvPicPr>
+            <a:picLocks noChangeAspect="1"/>
+          </p:cNvPicPr>
+          <p:nvPr/>
+        </p:nvPicPr>
+        <p:blipFill>
+          <a:blip r:embed="rId2"/>
+          <a:stretch>
+            <a:fillRect/>
+          </a:stretch>
+        </p:blipFill>
+        <p:spPr>
+          <a:xfrm>
+            <a:off x="6583017" y="1334957"/>
+            <a:ext cx="4724400" cy="5857875"/>
+          </a:xfrm>
+          <a:prstGeom prst="rect">
+            <a:avLst/>
+          </a:prstGeom>
+        </p:spPr>
+      </p:pic>
+      <p:pic>
+        <p:nvPicPr>
+          <p:cNvPr id="6" name="Picture 5">
+            <a:extLst>
+              <a:ext uri="{FF2B5EF4-FFF2-40B4-BE49-F238E27FC236}">
+                <a16:creationId xmlns:a16="http://schemas.microsoft.com/office/drawing/2014/main" id="{049E5890-2C26-441F-ACFE-7110E826224B}"/>
+              </a:ext>
+            </a:extLst>
+          </p:cNvPr>
+          <p:cNvPicPr>
+            <a:picLocks noChangeAspect="1"/>
+          </p:cNvPicPr>
+          <p:nvPr/>
+        </p:nvPicPr>
+        <p:blipFill>
+          <a:blip r:embed="rId3"/>
+          <a:stretch>
+            <a:fillRect/>
+          </a:stretch>
+        </p:blipFill>
+        <p:spPr>
+          <a:xfrm>
+            <a:off x="394597" y="1334957"/>
+            <a:ext cx="5991225" cy="3114675"/>
+          </a:xfrm>
+          <a:prstGeom prst="rect">
+            <a:avLst/>
+          </a:prstGeom>
+        </p:spPr>
+      </p:pic>
+    </p:spTree>
+    <p:extLst>
+      <p:ext uri="{BB962C8B-B14F-4D97-AF65-F5344CB8AC3E}">
+        <p14:creationId xmlns:p14="http://schemas.microsoft.com/office/powerpoint/2010/main" val="27152340"/>
       </p:ext>
     </p:extLst>
   </p:cSld>
